--- a/GoodLuckyer_プレゼンボード.pptx
+++ b/GoodLuckyer_プレゼンボード.pptx
@@ -243,7 +243,7 @@
           <a:p>
             <a:fld id="{993C4907-E3B4-47DA-A287-2F9D6E0ECE93}" type="datetimeFigureOut">
               <a:rPr kumimoji="1" lang="ja-JP" altLang="en-US" smtClean="0"/>
-              <a:t>2025/1/27</a:t>
+              <a:t>2025/2/3</a:t>
             </a:fld>
             <a:endParaRPr kumimoji="1" lang="ja-JP" altLang="en-US"/>
           </a:p>
@@ -445,7 +445,7 @@
           <a:p>
             <a:fld id="{993C4907-E3B4-47DA-A287-2F9D6E0ECE93}" type="datetimeFigureOut">
               <a:rPr kumimoji="1" lang="ja-JP" altLang="en-US" smtClean="0"/>
-              <a:t>2025/1/27</a:t>
+              <a:t>2025/2/3</a:t>
             </a:fld>
             <a:endParaRPr kumimoji="1" lang="ja-JP" altLang="en-US"/>
           </a:p>
@@ -657,7 +657,7 @@
           <a:p>
             <a:fld id="{993C4907-E3B4-47DA-A287-2F9D6E0ECE93}" type="datetimeFigureOut">
               <a:rPr kumimoji="1" lang="ja-JP" altLang="en-US" smtClean="0"/>
-              <a:t>2025/1/27</a:t>
+              <a:t>2025/2/3</a:t>
             </a:fld>
             <a:endParaRPr kumimoji="1" lang="ja-JP" altLang="en-US"/>
           </a:p>
@@ -859,7 +859,7 @@
           <a:p>
             <a:fld id="{993C4907-E3B4-47DA-A287-2F9D6E0ECE93}" type="datetimeFigureOut">
               <a:rPr kumimoji="1" lang="ja-JP" altLang="en-US" smtClean="0"/>
-              <a:t>2025/1/27</a:t>
+              <a:t>2025/2/3</a:t>
             </a:fld>
             <a:endParaRPr kumimoji="1" lang="ja-JP" altLang="en-US"/>
           </a:p>
@@ -1103,7 +1103,7 @@
           <a:p>
             <a:fld id="{993C4907-E3B4-47DA-A287-2F9D6E0ECE93}" type="datetimeFigureOut">
               <a:rPr kumimoji="1" lang="ja-JP" altLang="en-US" smtClean="0"/>
-              <a:t>2025/1/27</a:t>
+              <a:t>2025/2/3</a:t>
             </a:fld>
             <a:endParaRPr kumimoji="1" lang="ja-JP" altLang="en-US"/>
           </a:p>
@@ -1399,7 +1399,7 @@
           <a:p>
             <a:fld id="{993C4907-E3B4-47DA-A287-2F9D6E0ECE93}" type="datetimeFigureOut">
               <a:rPr kumimoji="1" lang="ja-JP" altLang="en-US" smtClean="0"/>
-              <a:t>2025/1/27</a:t>
+              <a:t>2025/2/3</a:t>
             </a:fld>
             <a:endParaRPr kumimoji="1" lang="ja-JP" altLang="en-US"/>
           </a:p>
@@ -1830,7 +1830,7 @@
           <a:p>
             <a:fld id="{993C4907-E3B4-47DA-A287-2F9D6E0ECE93}" type="datetimeFigureOut">
               <a:rPr kumimoji="1" lang="ja-JP" altLang="en-US" smtClean="0"/>
-              <a:t>2025/1/27</a:t>
+              <a:t>2025/2/3</a:t>
             </a:fld>
             <a:endParaRPr kumimoji="1" lang="ja-JP" altLang="en-US"/>
           </a:p>
@@ -1948,7 +1948,7 @@
           <a:p>
             <a:fld id="{993C4907-E3B4-47DA-A287-2F9D6E0ECE93}" type="datetimeFigureOut">
               <a:rPr kumimoji="1" lang="ja-JP" altLang="en-US" smtClean="0"/>
-              <a:t>2025/1/27</a:t>
+              <a:t>2025/2/3</a:t>
             </a:fld>
             <a:endParaRPr kumimoji="1" lang="ja-JP" altLang="en-US"/>
           </a:p>
@@ -2043,7 +2043,7 @@
           <a:p>
             <a:fld id="{993C4907-E3B4-47DA-A287-2F9D6E0ECE93}" type="datetimeFigureOut">
               <a:rPr kumimoji="1" lang="ja-JP" altLang="en-US" smtClean="0"/>
-              <a:t>2025/1/27</a:t>
+              <a:t>2025/2/3</a:t>
             </a:fld>
             <a:endParaRPr kumimoji="1" lang="ja-JP" altLang="en-US"/>
           </a:p>
@@ -2352,7 +2352,7 @@
           <a:p>
             <a:fld id="{993C4907-E3B4-47DA-A287-2F9D6E0ECE93}" type="datetimeFigureOut">
               <a:rPr kumimoji="1" lang="ja-JP" altLang="en-US" smtClean="0"/>
-              <a:t>2025/1/27</a:t>
+              <a:t>2025/2/3</a:t>
             </a:fld>
             <a:endParaRPr kumimoji="1" lang="ja-JP" altLang="en-US"/>
           </a:p>
@@ -2609,7 +2609,7 @@
           <a:p>
             <a:fld id="{993C4907-E3B4-47DA-A287-2F9D6E0ECE93}" type="datetimeFigureOut">
               <a:rPr kumimoji="1" lang="ja-JP" altLang="en-US" smtClean="0"/>
-              <a:t>2025/1/27</a:t>
+              <a:t>2025/2/3</a:t>
             </a:fld>
             <a:endParaRPr kumimoji="1" lang="ja-JP" altLang="en-US"/>
           </a:p>
@@ -2854,7 +2854,7 @@
           <a:p>
             <a:fld id="{993C4907-E3B4-47DA-A287-2F9D6E0ECE93}" type="datetimeFigureOut">
               <a:rPr kumimoji="1" lang="ja-JP" altLang="en-US" smtClean="0"/>
-              <a:t>2025/1/27</a:t>
+              <a:t>2025/2/3</a:t>
             </a:fld>
             <a:endParaRPr kumimoji="1" lang="ja-JP" altLang="en-US"/>
           </a:p>
@@ -3259,44 +3259,6 @@
           <a:chExt cx="0" cy="0"/>
         </a:xfrm>
       </p:grpSpPr>
-      <p:sp>
-        <p:nvSpPr>
-          <p:cNvPr id="23" name="正方形/長方形 22"/>
-          <p:cNvSpPr/>
-          <p:nvPr/>
-        </p:nvSpPr>
-        <p:spPr>
-          <a:xfrm>
-            <a:off x="0" y="9014606"/>
-            <a:ext cx="6858000" cy="3170638"/>
-          </a:xfrm>
-          <a:prstGeom prst="rect">
-            <a:avLst/>
-          </a:prstGeom>
-        </p:spPr>
-        <p:style>
-          <a:lnRef idx="1">
-            <a:schemeClr val="accent3"/>
-          </a:lnRef>
-          <a:fillRef idx="2">
-            <a:schemeClr val="accent3"/>
-          </a:fillRef>
-          <a:effectRef idx="1">
-            <a:schemeClr val="accent3"/>
-          </a:effectRef>
-          <a:fontRef idx="minor">
-            <a:schemeClr val="dk1"/>
-          </a:fontRef>
-        </p:style>
-        <p:txBody>
-          <a:bodyPr rtlCol="0" anchor="ctr"/>
-          <a:lstStyle/>
-          <a:p>
-            <a:pPr algn="ctr"/>
-            <a:endParaRPr kumimoji="1" lang="ja-JP" altLang="en-US"/>
-          </a:p>
-        </p:txBody>
-      </p:sp>
       <p:sp>
         <p:nvSpPr>
           <p:cNvPr id="4" name="正方形/長方形 3"/>
@@ -4140,36 +4102,6 @@
           </a:p>
         </p:txBody>
       </p:sp>
-      <p:pic>
-        <p:nvPicPr>
-          <p:cNvPr id="38" name="図 37"/>
-          <p:cNvPicPr>
-            <a:picLocks noChangeAspect="1"/>
-          </p:cNvPicPr>
-          <p:nvPr/>
-        </p:nvPicPr>
-        <p:blipFill>
-          <a:blip r:embed="rId14" cstate="print">
-            <a:extLst>
-              <a:ext uri="{28A0092B-C50C-407E-A947-70E740481C1C}">
-                <a14:useLocalDpi xmlns:a14="http://schemas.microsoft.com/office/drawing/2010/main" val="0"/>
-              </a:ext>
-            </a:extLst>
-          </a:blip>
-          <a:stretch>
-            <a:fillRect/>
-          </a:stretch>
-        </p:blipFill>
-        <p:spPr>
-          <a:xfrm>
-            <a:off x="4953118" y="9975769"/>
-            <a:ext cx="1155593" cy="1733390"/>
-          </a:xfrm>
-          <a:prstGeom prst="rect">
-            <a:avLst/>
-          </a:prstGeom>
-        </p:spPr>
-      </p:pic>
       <p:sp>
         <p:nvSpPr>
           <p:cNvPr id="39" name="テキスト ボックス 38"/>
@@ -4200,45 +4132,138 @@
           </a:p>
         </p:txBody>
       </p:sp>
-      <p:cxnSp>
-        <p:nvCxnSpPr>
-          <p:cNvPr id="41" name="曲線コネクタ 40"/>
-          <p:cNvCxnSpPr>
-            <a:stCxn id="38" idx="0"/>
-          </p:cNvCxnSpPr>
+      <p:grpSp>
+        <p:nvGrpSpPr>
+          <p:cNvPr id="19" name="グループ化 18"/>
+          <p:cNvGrpSpPr/>
           <p:nvPr/>
-        </p:nvCxnSpPr>
-        <p:spPr>
-          <a:xfrm rot="5400000" flipH="1" flipV="1">
-            <a:off x="5266615" y="9278907"/>
-            <a:ext cx="961163" cy="432563"/>
+        </p:nvGrpSpPr>
+        <p:grpSpPr>
+          <a:xfrm>
+            <a:off x="4899442" y="9086959"/>
+            <a:ext cx="1200593" cy="2620904"/>
+            <a:chOff x="5017481" y="9122956"/>
+            <a:chExt cx="1200593" cy="2620904"/>
           </a:xfrm>
-          <a:prstGeom prst="curvedConnector3">
-            <a:avLst>
-              <a:gd name="adj1" fmla="val 51379"/>
-            </a:avLst>
-          </a:prstGeom>
-          <a:ln w="38100">
+        </p:grpSpPr>
+        <p:sp>
+          <p:nvSpPr>
+            <p:cNvPr id="11" name="楕円 10"/>
+            <p:cNvSpPr/>
+            <p:nvPr/>
+          </p:nvSpPr>
+          <p:spPr>
+            <a:xfrm>
+              <a:off x="5017481" y="10000181"/>
+              <a:ext cx="1200593" cy="1743679"/>
+            </a:xfrm>
+            <a:prstGeom prst="ellipse">
+              <a:avLst/>
+            </a:prstGeom>
             <a:solidFill>
               <a:schemeClr val="tx1"/>
             </a:solidFill>
-          </a:ln>
-        </p:spPr>
-        <p:style>
-          <a:lnRef idx="1">
-            <a:schemeClr val="accent1"/>
-          </a:lnRef>
-          <a:fillRef idx="0">
-            <a:schemeClr val="accent1"/>
-          </a:fillRef>
-          <a:effectRef idx="0">
-            <a:schemeClr val="accent1"/>
-          </a:effectRef>
-          <a:fontRef idx="minor">
-            <a:schemeClr val="tx1"/>
-          </a:fontRef>
-        </p:style>
-      </p:cxnSp>
+            <a:ln>
+              <a:solidFill>
+                <a:schemeClr val="tx1"/>
+              </a:solidFill>
+            </a:ln>
+          </p:spPr>
+          <p:style>
+            <a:lnRef idx="2">
+              <a:schemeClr val="accent1">
+                <a:shade val="50000"/>
+              </a:schemeClr>
+            </a:lnRef>
+            <a:fillRef idx="1">
+              <a:schemeClr val="accent1"/>
+            </a:fillRef>
+            <a:effectRef idx="0">
+              <a:schemeClr val="accent1"/>
+            </a:effectRef>
+            <a:fontRef idx="minor">
+              <a:schemeClr val="lt1"/>
+            </a:fontRef>
+          </p:style>
+          <p:txBody>
+            <a:bodyPr rtlCol="0" anchor="ctr"/>
+            <a:lstStyle/>
+            <a:p>
+              <a:pPr algn="ctr"/>
+              <a:endParaRPr kumimoji="1" lang="ja-JP" altLang="en-US"/>
+            </a:p>
+          </p:txBody>
+        </p:sp>
+        <p:pic>
+          <p:nvPicPr>
+            <p:cNvPr id="38" name="図 37"/>
+            <p:cNvPicPr>
+              <a:picLocks noChangeAspect="1"/>
+            </p:cNvPicPr>
+            <p:nvPr/>
+          </p:nvPicPr>
+          <p:blipFill>
+            <a:blip r:embed="rId14" cstate="print">
+              <a:extLst>
+                <a:ext uri="{28A0092B-C50C-407E-A947-70E740481C1C}">
+                  <a14:useLocalDpi xmlns:a14="http://schemas.microsoft.com/office/drawing/2010/main" val="0"/>
+                </a:ext>
+              </a:extLst>
+            </a:blip>
+            <a:stretch>
+              <a:fillRect/>
+            </a:stretch>
+          </p:blipFill>
+          <p:spPr>
+            <a:xfrm>
+              <a:off x="5052089" y="10084114"/>
+              <a:ext cx="1155593" cy="1598433"/>
+            </a:xfrm>
+            <a:prstGeom prst="rect">
+              <a:avLst/>
+            </a:prstGeom>
+          </p:spPr>
+        </p:pic>
+        <p:cxnSp>
+          <p:nvCxnSpPr>
+            <p:cNvPr id="41" name="曲線コネクタ 40"/>
+            <p:cNvCxnSpPr>
+              <a:stCxn id="38" idx="0"/>
+            </p:cNvCxnSpPr>
+            <p:nvPr/>
+          </p:nvCxnSpPr>
+          <p:spPr>
+            <a:xfrm rot="5400000" flipH="1" flipV="1">
+              <a:off x="5365588" y="9387254"/>
+              <a:ext cx="961159" cy="432563"/>
+            </a:xfrm>
+            <a:prstGeom prst="curvedConnector3">
+              <a:avLst>
+                <a:gd name="adj1" fmla="val 50000"/>
+              </a:avLst>
+            </a:prstGeom>
+            <a:ln w="38100">
+              <a:solidFill>
+                <a:schemeClr val="tx1"/>
+              </a:solidFill>
+            </a:ln>
+          </p:spPr>
+          <p:style>
+            <a:lnRef idx="1">
+              <a:schemeClr val="accent1"/>
+            </a:lnRef>
+            <a:fillRef idx="0">
+              <a:schemeClr val="accent1"/>
+            </a:fillRef>
+            <a:effectRef idx="0">
+              <a:schemeClr val="accent1"/>
+            </a:effectRef>
+            <a:fontRef idx="minor">
+              <a:schemeClr val="tx1"/>
+            </a:fontRef>
+          </p:style>
+        </p:cxnSp>
+      </p:grpSp>
     </p:spTree>
     <p:extLst>
       <p:ext uri="{BB962C8B-B14F-4D97-AF65-F5344CB8AC3E}">
